--- a/RTMcontest.pptx
+++ b/RTMcontest.pptx
@@ -21828,7 +21828,7 @@
           <a:p>
             <a:fld id="{73D8762B-1ED8-4D7C-9221-31D2F96A598E}" type="datetimeFigureOut">
               <a:rPr kumimoji="1" lang="ja-JP" altLang="en-US" smtClean="0"/>
-              <a:t>2018/11/24</a:t>
+              <a:t>2018/11/29</a:t>
             </a:fld>
             <a:endParaRPr kumimoji="1" lang="ja-JP" altLang="en-US"/>
           </a:p>
@@ -22354,7 +22354,7 @@
           <a:p>
             <a:fld id="{0C29DFF9-B0F2-46D1-B1C4-EC168B5A7FFB}" type="datetimeFigureOut">
               <a:rPr kumimoji="1" lang="ja-JP" altLang="en-US" smtClean="0"/>
-              <a:t>2018/11/24</a:t>
+              <a:t>2018/11/29</a:t>
             </a:fld>
             <a:endParaRPr kumimoji="1" lang="ja-JP" altLang="en-US"/>
           </a:p>
@@ -22594,7 +22594,7 @@
           <a:p>
             <a:fld id="{0C29DFF9-B0F2-46D1-B1C4-EC168B5A7FFB}" type="datetimeFigureOut">
               <a:rPr kumimoji="1" lang="ja-JP" altLang="en-US" smtClean="0"/>
-              <a:t>2018/11/24</a:t>
+              <a:t>2018/11/29</a:t>
             </a:fld>
             <a:endParaRPr kumimoji="1" lang="ja-JP" altLang="en-US"/>
           </a:p>
@@ -22882,7 +22882,7 @@
           <a:p>
             <a:fld id="{0C29DFF9-B0F2-46D1-B1C4-EC168B5A7FFB}" type="datetimeFigureOut">
               <a:rPr kumimoji="1" lang="ja-JP" altLang="en-US" smtClean="0"/>
-              <a:t>2018/11/24</a:t>
+              <a:t>2018/11/29</a:t>
             </a:fld>
             <a:endParaRPr kumimoji="1" lang="ja-JP" altLang="en-US"/>
           </a:p>
@@ -23088,7 +23088,7 @@
           <a:p>
             <a:fld id="{0C29DFF9-B0F2-46D1-B1C4-EC168B5A7FFB}" type="datetimeFigureOut">
               <a:rPr kumimoji="1" lang="ja-JP" altLang="en-US" smtClean="0"/>
-              <a:t>2018/11/24</a:t>
+              <a:t>2018/11/29</a:t>
             </a:fld>
             <a:endParaRPr kumimoji="1" lang="ja-JP" altLang="en-US"/>
           </a:p>
@@ -23431,7 +23431,7 @@
           <a:p>
             <a:fld id="{0C29DFF9-B0F2-46D1-B1C4-EC168B5A7FFB}" type="datetimeFigureOut">
               <a:rPr kumimoji="1" lang="ja-JP" altLang="en-US" smtClean="0"/>
-              <a:t>2018/11/24</a:t>
+              <a:t>2018/11/29</a:t>
             </a:fld>
             <a:endParaRPr kumimoji="1" lang="ja-JP" altLang="en-US"/>
           </a:p>
@@ -23770,7 +23770,7 @@
           <a:p>
             <a:fld id="{0C29DFF9-B0F2-46D1-B1C4-EC168B5A7FFB}" type="datetimeFigureOut">
               <a:rPr kumimoji="1" lang="ja-JP" altLang="en-US" smtClean="0"/>
-              <a:t>2018/11/24</a:t>
+              <a:t>2018/11/29</a:t>
             </a:fld>
             <a:endParaRPr kumimoji="1" lang="ja-JP" altLang="en-US"/>
           </a:p>
@@ -24213,7 +24213,7 @@
           <a:p>
             <a:fld id="{0C29DFF9-B0F2-46D1-B1C4-EC168B5A7FFB}" type="datetimeFigureOut">
               <a:rPr kumimoji="1" lang="ja-JP" altLang="en-US" smtClean="0"/>
-              <a:t>2018/11/24</a:t>
+              <a:t>2018/11/29</a:t>
             </a:fld>
             <a:endParaRPr kumimoji="1" lang="ja-JP" altLang="en-US"/>
           </a:p>
@@ -24331,7 +24331,7 @@
           <a:p>
             <a:fld id="{0C29DFF9-B0F2-46D1-B1C4-EC168B5A7FFB}" type="datetimeFigureOut">
               <a:rPr kumimoji="1" lang="ja-JP" altLang="en-US" smtClean="0"/>
-              <a:t>2018/11/24</a:t>
+              <a:t>2018/11/29</a:t>
             </a:fld>
             <a:endParaRPr kumimoji="1" lang="ja-JP" altLang="en-US"/>
           </a:p>
@@ -24502,7 +24502,7 @@
           <a:p>
             <a:fld id="{0C29DFF9-B0F2-46D1-B1C4-EC168B5A7FFB}" type="datetimeFigureOut">
               <a:rPr kumimoji="1" lang="ja-JP" altLang="en-US" smtClean="0"/>
-              <a:t>2018/11/24</a:t>
+              <a:t>2018/11/29</a:t>
             </a:fld>
             <a:endParaRPr kumimoji="1" lang="ja-JP" altLang="en-US"/>
           </a:p>
@@ -24888,7 +24888,7 @@
           <a:p>
             <a:fld id="{0C29DFF9-B0F2-46D1-B1C4-EC168B5A7FFB}" type="datetimeFigureOut">
               <a:rPr kumimoji="1" lang="ja-JP" altLang="en-US" smtClean="0"/>
-              <a:t>2018/11/24</a:t>
+              <a:t>2018/11/29</a:t>
             </a:fld>
             <a:endParaRPr kumimoji="1" lang="ja-JP" altLang="en-US"/>
           </a:p>
@@ -25270,7 +25270,7 @@
           <a:p>
             <a:fld id="{0C29DFF9-B0F2-46D1-B1C4-EC168B5A7FFB}" type="datetimeFigureOut">
               <a:rPr kumimoji="1" lang="ja-JP" altLang="en-US" smtClean="0"/>
-              <a:t>2018/11/24</a:t>
+              <a:t>2018/11/29</a:t>
             </a:fld>
             <a:endParaRPr kumimoji="1" lang="ja-JP" altLang="en-US"/>
           </a:p>
@@ -25589,7 +25589,7 @@
           <a:p>
             <a:fld id="{0C29DFF9-B0F2-46D1-B1C4-EC168B5A7FFB}" type="datetimeFigureOut">
               <a:rPr kumimoji="1" lang="ja-JP" altLang="en-US" smtClean="0"/>
-              <a:t>2018/11/24</a:t>
+              <a:t>2018/11/29</a:t>
             </a:fld>
             <a:endParaRPr kumimoji="1" lang="ja-JP" altLang="en-US"/>
           </a:p>
